--- a/annales/2012/2012.pptx
+++ b/annales/2012/2012.pptx
@@ -107,6 +107,11 @@
       </a:defRPr>
     </a:lvl9pPr>
   </p:defaultTextStyle>
+  <p:extLst>
+    <p:ext uri="{EFAFB233-063F-42B5-8137-9DF3F51BA10A}">
+      <p15:sldGuideLst xmlns:p15="http://schemas.microsoft.com/office/powerpoint/2012/main"/>
+    </p:ext>
+  </p:extLst>
 </p:presentation>
 </file>
 
@@ -192,7 +197,7 @@
           <a:p>
             <a:fld id="{F7EB21C3-B0ED-4DED-B260-7A86394F4634}" type="datetimeFigureOut">
               <a:rPr lang="fr-FR" smtClean="0"/>
-              <a:t>02/03/2023</a:t>
+              <a:t>08/04/2023</a:t>
             </a:fld>
             <a:endParaRPr lang="fr-FR"/>
           </a:p>
@@ -690,7 +695,7 @@
           <a:p>
             <a:fld id="{9E598C91-577A-4C7F-A063-4F99B66BEDDB}" type="datetimeFigureOut">
               <a:rPr lang="fr-FR" smtClean="0"/>
-              <a:t>02/03/2023</a:t>
+              <a:t>08/04/2023</a:t>
             </a:fld>
             <a:endParaRPr lang="fr-FR"/>
           </a:p>
@@ -888,7 +893,7 @@
           <a:p>
             <a:fld id="{9E598C91-577A-4C7F-A063-4F99B66BEDDB}" type="datetimeFigureOut">
               <a:rPr lang="fr-FR" smtClean="0"/>
-              <a:t>02/03/2023</a:t>
+              <a:t>08/04/2023</a:t>
             </a:fld>
             <a:endParaRPr lang="fr-FR"/>
           </a:p>
@@ -1096,7 +1101,7 @@
           <a:p>
             <a:fld id="{9E598C91-577A-4C7F-A063-4F99B66BEDDB}" type="datetimeFigureOut">
               <a:rPr lang="fr-FR" smtClean="0"/>
-              <a:t>02/03/2023</a:t>
+              <a:t>08/04/2023</a:t>
             </a:fld>
             <a:endParaRPr lang="fr-FR"/>
           </a:p>
@@ -1294,7 +1299,7 @@
           <a:p>
             <a:fld id="{9E598C91-577A-4C7F-A063-4F99B66BEDDB}" type="datetimeFigureOut">
               <a:rPr lang="fr-FR" smtClean="0"/>
-              <a:t>02/03/2023</a:t>
+              <a:t>08/04/2023</a:t>
             </a:fld>
             <a:endParaRPr lang="fr-FR"/>
           </a:p>
@@ -1569,7 +1574,7 @@
           <a:p>
             <a:fld id="{9E598C91-577A-4C7F-A063-4F99B66BEDDB}" type="datetimeFigureOut">
               <a:rPr lang="fr-FR" smtClean="0"/>
-              <a:t>02/03/2023</a:t>
+              <a:t>08/04/2023</a:t>
             </a:fld>
             <a:endParaRPr lang="fr-FR"/>
           </a:p>
@@ -1834,7 +1839,7 @@
           <a:p>
             <a:fld id="{9E598C91-577A-4C7F-A063-4F99B66BEDDB}" type="datetimeFigureOut">
               <a:rPr lang="fr-FR" smtClean="0"/>
-              <a:t>02/03/2023</a:t>
+              <a:t>08/04/2023</a:t>
             </a:fld>
             <a:endParaRPr lang="fr-FR"/>
           </a:p>
@@ -2246,7 +2251,7 @@
           <a:p>
             <a:fld id="{9E598C91-577A-4C7F-A063-4F99B66BEDDB}" type="datetimeFigureOut">
               <a:rPr lang="fr-FR" smtClean="0"/>
-              <a:t>02/03/2023</a:t>
+              <a:t>08/04/2023</a:t>
             </a:fld>
             <a:endParaRPr lang="fr-FR"/>
           </a:p>
@@ -2387,7 +2392,7 @@
           <a:p>
             <a:fld id="{9E598C91-577A-4C7F-A063-4F99B66BEDDB}" type="datetimeFigureOut">
               <a:rPr lang="fr-FR" smtClean="0"/>
-              <a:t>02/03/2023</a:t>
+              <a:t>08/04/2023</a:t>
             </a:fld>
             <a:endParaRPr lang="fr-FR"/>
           </a:p>
@@ -2500,7 +2505,7 @@
           <a:p>
             <a:fld id="{9E598C91-577A-4C7F-A063-4F99B66BEDDB}" type="datetimeFigureOut">
               <a:rPr lang="fr-FR" smtClean="0"/>
-              <a:t>02/03/2023</a:t>
+              <a:t>08/04/2023</a:t>
             </a:fld>
             <a:endParaRPr lang="fr-FR"/>
           </a:p>
@@ -2811,7 +2816,7 @@
           <a:p>
             <a:fld id="{9E598C91-577A-4C7F-A063-4F99B66BEDDB}" type="datetimeFigureOut">
               <a:rPr lang="fr-FR" smtClean="0"/>
-              <a:t>02/03/2023</a:t>
+              <a:t>08/04/2023</a:t>
             </a:fld>
             <a:endParaRPr lang="fr-FR"/>
           </a:p>
@@ -3099,7 +3104,7 @@
           <a:p>
             <a:fld id="{9E598C91-577A-4C7F-A063-4F99B66BEDDB}" type="datetimeFigureOut">
               <a:rPr lang="fr-FR" smtClean="0"/>
-              <a:t>02/03/2023</a:t>
+              <a:t>08/04/2023</a:t>
             </a:fld>
             <a:endParaRPr lang="fr-FR"/>
           </a:p>
@@ -3340,7 +3345,7 @@
           <a:p>
             <a:fld id="{9E598C91-577A-4C7F-A063-4F99B66BEDDB}" type="datetimeFigureOut">
               <a:rPr lang="fr-FR" smtClean="0"/>
-              <a:t>02/03/2023</a:t>
+              <a:t>08/04/2023</a:t>
             </a:fld>
             <a:endParaRPr lang="fr-FR"/>
           </a:p>
@@ -4438,7 +4443,7 @@
         </p:nvSpPr>
         <p:spPr>
           <a:xfrm>
-            <a:off x="2958369" y="1827402"/>
+            <a:off x="2958369" y="1633249"/>
             <a:ext cx="180000" cy="180000"/>
           </a:xfrm>
           <a:prstGeom prst="ellipse">
@@ -7447,8 +7452,8 @@
         </p:nvCxnSpPr>
         <p:spPr>
           <a:xfrm rot="10800000" flipV="1">
-            <a:off x="2958369" y="1917402"/>
-            <a:ext cx="12700" cy="632766"/>
+            <a:off x="2958369" y="1723248"/>
+            <a:ext cx="12700" cy="826919"/>
           </a:xfrm>
           <a:prstGeom prst="bentConnector3">
             <a:avLst>
